--- a/HMS_520_Final_Presentation_Whikehart_Naing.pptx
+++ b/HMS_520_Final_Presentation_Whikehart_Naing.pptx
@@ -215,7 +215,7 @@
           <a:p>
             <a:fld id="{B0600501-F344-3D44-95BA-77E20842F8C7}" type="datetimeFigureOut">
               <a:rPr lang="en-US" smtClean="0"/>
-              <a:t>12/11/24</a:t>
+              <a:t>12/12/24</a:t>
             </a:fld>
             <a:endParaRPr lang="en-US"/>
           </a:p>
@@ -2102,6 +2102,43 @@
               <a:t>Sophie</a:t>
             </a:r>
           </a:p>
+          <a:p>
+            <a:endParaRPr lang="en-US" dirty="0"/>
+          </a:p>
+          <a:p>
+            <a:pPr marL="171450" indent="-171450">
+              <a:buFontTx/>
+              <a:buChar char="-"/>
+            </a:pPr>
+            <a:r>
+              <a:rPr lang="en-US" dirty="0"/>
+              <a:t>TB mortality was informed by vital registration, verbal autopsy, sample based vital registration and mortality surveillance data </a:t>
+            </a:r>
+          </a:p>
+          <a:p>
+            <a:pPr marL="171450" indent="-171450">
+              <a:buFontTx/>
+              <a:buChar char="-"/>
+            </a:pPr>
+            <a:r>
+              <a:rPr lang="en-US" dirty="0"/>
+              <a:t>TB mortality data also included annual case notifications, data from prevalence surveys and estimated cause specific mortality [CSMR] of TB among HIV positive and HIV negative individuals </a:t>
+            </a:r>
+          </a:p>
+          <a:p>
+            <a:pPr marL="171450" indent="-171450">
+              <a:buFontTx/>
+              <a:buChar char="-"/>
+            </a:pPr>
+            <a:endParaRPr lang="en-US"/>
+          </a:p>
+          <a:p>
+            <a:pPr marL="171450" indent="-171450">
+              <a:buFontTx/>
+              <a:buChar char="-"/>
+            </a:pPr>
+            <a:endParaRPr lang="en-US" dirty="0"/>
+          </a:p>
         </p:txBody>
       </p:sp>
       <p:sp>
@@ -2651,7 +2688,7 @@
           <a:p>
             <a:fld id="{D0CA49A6-43EB-654B-AF39-AEE45A3DBBF9}" type="datetimeFigureOut">
               <a:rPr lang="en-US" smtClean="0"/>
-              <a:t>12/11/24</a:t>
+              <a:t>12/12/24</a:t>
             </a:fld>
             <a:endParaRPr lang="en-US"/>
           </a:p>
@@ -2821,7 +2858,7 @@
           <a:p>
             <a:fld id="{D0CA49A6-43EB-654B-AF39-AEE45A3DBBF9}" type="datetimeFigureOut">
               <a:rPr lang="en-US" smtClean="0"/>
-              <a:t>12/11/24</a:t>
+              <a:t>12/12/24</a:t>
             </a:fld>
             <a:endParaRPr lang="en-US"/>
           </a:p>
@@ -3001,7 +3038,7 @@
           <a:p>
             <a:fld id="{D0CA49A6-43EB-654B-AF39-AEE45A3DBBF9}" type="datetimeFigureOut">
               <a:rPr lang="en-US" smtClean="0"/>
-              <a:t>12/11/24</a:t>
+              <a:t>12/12/24</a:t>
             </a:fld>
             <a:endParaRPr lang="en-US"/>
           </a:p>
@@ -3171,7 +3208,7 @@
           <a:p>
             <a:fld id="{D0CA49A6-43EB-654B-AF39-AEE45A3DBBF9}" type="datetimeFigureOut">
               <a:rPr lang="en-US" smtClean="0"/>
-              <a:t>12/11/24</a:t>
+              <a:t>12/12/24</a:t>
             </a:fld>
             <a:endParaRPr lang="en-US"/>
           </a:p>
@@ -3439,7 +3476,7 @@
           <a:p>
             <a:fld id="{D0CA49A6-43EB-654B-AF39-AEE45A3DBBF9}" type="datetimeFigureOut">
               <a:rPr lang="en-US" smtClean="0"/>
-              <a:t>12/11/24</a:t>
+              <a:t>12/12/24</a:t>
             </a:fld>
             <a:endParaRPr lang="en-US"/>
           </a:p>
@@ -3671,7 +3708,7 @@
           <a:p>
             <a:fld id="{D0CA49A6-43EB-654B-AF39-AEE45A3DBBF9}" type="datetimeFigureOut">
               <a:rPr lang="en-US" smtClean="0"/>
-              <a:t>12/11/24</a:t>
+              <a:t>12/12/24</a:t>
             </a:fld>
             <a:endParaRPr lang="en-US"/>
           </a:p>
@@ -4030,7 +4067,7 @@
           <a:p>
             <a:fld id="{D0CA49A6-43EB-654B-AF39-AEE45A3DBBF9}" type="datetimeFigureOut">
               <a:rPr lang="en-US" smtClean="0"/>
-              <a:t>12/11/24</a:t>
+              <a:t>12/12/24</a:t>
             </a:fld>
             <a:endParaRPr lang="en-US"/>
           </a:p>
@@ -4171,7 +4208,7 @@
           <a:p>
             <a:fld id="{D0CA49A6-43EB-654B-AF39-AEE45A3DBBF9}" type="datetimeFigureOut">
               <a:rPr lang="en-US" smtClean="0"/>
-              <a:t>12/11/24</a:t>
+              <a:t>12/12/24</a:t>
             </a:fld>
             <a:endParaRPr lang="en-US"/>
           </a:p>
@@ -4266,7 +4303,7 @@
           <a:p>
             <a:fld id="{D0CA49A6-43EB-654B-AF39-AEE45A3DBBF9}" type="datetimeFigureOut">
               <a:rPr lang="en-US" smtClean="0"/>
-              <a:t>12/11/24</a:t>
+              <a:t>12/12/24</a:t>
             </a:fld>
             <a:endParaRPr lang="en-US"/>
           </a:p>
@@ -4623,7 +4660,7 @@
           <a:p>
             <a:fld id="{D0CA49A6-43EB-654B-AF39-AEE45A3DBBF9}" type="datetimeFigureOut">
               <a:rPr lang="en-US" smtClean="0"/>
-              <a:t>12/11/24</a:t>
+              <a:t>12/12/24</a:t>
             </a:fld>
             <a:endParaRPr lang="en-US"/>
           </a:p>
@@ -4980,7 +5017,7 @@
           <a:p>
             <a:fld id="{D0CA49A6-43EB-654B-AF39-AEE45A3DBBF9}" type="datetimeFigureOut">
               <a:rPr lang="en-US" smtClean="0"/>
-              <a:t>12/11/24</a:t>
+              <a:t>12/12/24</a:t>
             </a:fld>
             <a:endParaRPr lang="en-US"/>
           </a:p>
@@ -5222,7 +5259,7 @@
           <a:p>
             <a:fld id="{D0CA49A6-43EB-654B-AF39-AEE45A3DBBF9}" type="datetimeFigureOut">
               <a:rPr lang="en-US" smtClean="0"/>
-              <a:t>12/11/24</a:t>
+              <a:t>12/12/24</a:t>
             </a:fld>
             <a:endParaRPr lang="en-US"/>
           </a:p>

--- a/HMS_520_Final_Presentation_Whikehart_Naing.pptx
+++ b/HMS_520_Final_Presentation_Whikehart_Naing.pptx
@@ -2130,7 +2130,7 @@
               <a:buFontTx/>
               <a:buChar char="-"/>
             </a:pPr>
-            <a:endParaRPr lang="en-US"/>
+            <a:endParaRPr lang="en-US" dirty="0"/>
           </a:p>
           <a:p>
             <a:pPr marL="171450" indent="-171450">
@@ -7158,7 +7158,7 @@
             </a:pPr>
             <a:r>
               <a:rPr lang="en-US" dirty="0"/>
-              <a:t>In this study, we leverage the GBD TB Estimates to examine TTB mortality trends </a:t>
+              <a:t>In this study, we leverage the GBD TB Estimates to examine TB mortality trends </a:t>
             </a:r>
           </a:p>
           <a:p>
